--- a/docs/images/jfrog-architecture-diagrams.pptx
+++ b/docs/images/jfrog-architecture-diagrams.pptx
@@ -199,7 +199,7 @@
           <a:p>
             <a:fld id="{590E2399-5717-194F-AD3A-E8B320BF82AF}" type="datetimeFigureOut">
               <a:rPr lang="en-US" smtClean="0"/>
-              <a:t>3/24/21</a:t>
+              <a:t>4/13/2021</a:t>
             </a:fld>
             <a:endParaRPr lang="en-US"/>
           </a:p>
@@ -867,7 +867,7 @@
           <a:p>
             <a:fld id="{F55C447A-44A3-5F49-B3D4-7D25A8EEBE0E}" type="datetimeFigureOut">
               <a:rPr lang="en-US" smtClean="0"/>
-              <a:t>3/24/21</a:t>
+              <a:t>4/13/2021</a:t>
             </a:fld>
             <a:endParaRPr lang="en-US"/>
           </a:p>
@@ -1037,7 +1037,7 @@
           <a:p>
             <a:fld id="{F55C447A-44A3-5F49-B3D4-7D25A8EEBE0E}" type="datetimeFigureOut">
               <a:rPr lang="en-US" smtClean="0"/>
-              <a:t>3/24/21</a:t>
+              <a:t>4/13/2021</a:t>
             </a:fld>
             <a:endParaRPr lang="en-US"/>
           </a:p>
@@ -1217,7 +1217,7 @@
           <a:p>
             <a:fld id="{F55C447A-44A3-5F49-B3D4-7D25A8EEBE0E}" type="datetimeFigureOut">
               <a:rPr lang="en-US" smtClean="0"/>
-              <a:t>3/24/21</a:t>
+              <a:t>4/13/2021</a:t>
             </a:fld>
             <a:endParaRPr lang="en-US"/>
           </a:p>
@@ -1601,7 +1601,7 @@
           <a:p>
             <a:fld id="{F55C447A-44A3-5F49-B3D4-7D25A8EEBE0E}" type="datetimeFigureOut">
               <a:rPr lang="en-US" smtClean="0"/>
-              <a:t>3/24/21</a:t>
+              <a:t>4/13/2021</a:t>
             </a:fld>
             <a:endParaRPr lang="en-US"/>
           </a:p>
@@ -1845,7 +1845,7 @@
           <a:p>
             <a:fld id="{F55C447A-44A3-5F49-B3D4-7D25A8EEBE0E}" type="datetimeFigureOut">
               <a:rPr lang="en-US" smtClean="0"/>
-              <a:t>3/24/21</a:t>
+              <a:t>4/13/2021</a:t>
             </a:fld>
             <a:endParaRPr lang="en-US"/>
           </a:p>
@@ -2077,7 +2077,7 @@
           <a:p>
             <a:fld id="{F55C447A-44A3-5F49-B3D4-7D25A8EEBE0E}" type="datetimeFigureOut">
               <a:rPr lang="en-US" smtClean="0"/>
-              <a:t>3/24/21</a:t>
+              <a:t>4/13/2021</a:t>
             </a:fld>
             <a:endParaRPr lang="en-US"/>
           </a:p>
@@ -2444,7 +2444,7 @@
           <a:p>
             <a:fld id="{F55C447A-44A3-5F49-B3D4-7D25A8EEBE0E}" type="datetimeFigureOut">
               <a:rPr lang="en-US" smtClean="0"/>
-              <a:t>3/24/21</a:t>
+              <a:t>4/13/2021</a:t>
             </a:fld>
             <a:endParaRPr lang="en-US"/>
           </a:p>
@@ -2562,7 +2562,7 @@
           <a:p>
             <a:fld id="{F55C447A-44A3-5F49-B3D4-7D25A8EEBE0E}" type="datetimeFigureOut">
               <a:rPr lang="en-US" smtClean="0"/>
-              <a:t>3/24/21</a:t>
+              <a:t>4/13/2021</a:t>
             </a:fld>
             <a:endParaRPr lang="en-US"/>
           </a:p>
@@ -2657,7 +2657,7 @@
           <a:p>
             <a:fld id="{F55C447A-44A3-5F49-B3D4-7D25A8EEBE0E}" type="datetimeFigureOut">
               <a:rPr lang="en-US" smtClean="0"/>
-              <a:t>3/24/21</a:t>
+              <a:t>4/13/2021</a:t>
             </a:fld>
             <a:endParaRPr lang="en-US"/>
           </a:p>
@@ -2934,7 +2934,7 @@
           <a:p>
             <a:fld id="{F55C447A-44A3-5F49-B3D4-7D25A8EEBE0E}" type="datetimeFigureOut">
               <a:rPr lang="en-US" smtClean="0"/>
-              <a:t>3/24/21</a:t>
+              <a:t>4/13/2021</a:t>
             </a:fld>
             <a:endParaRPr lang="en-US"/>
           </a:p>
@@ -3191,7 +3191,7 @@
           <a:p>
             <a:fld id="{F55C447A-44A3-5F49-B3D4-7D25A8EEBE0E}" type="datetimeFigureOut">
               <a:rPr lang="en-US" smtClean="0"/>
-              <a:t>3/24/21</a:t>
+              <a:t>4/13/2021</a:t>
             </a:fld>
             <a:endParaRPr lang="en-US"/>
           </a:p>
@@ -3404,7 +3404,7 @@
           <a:p>
             <a:fld id="{F55C447A-44A3-5F49-B3D4-7D25A8EEBE0E}" type="datetimeFigureOut">
               <a:rPr lang="en-US" smtClean="0"/>
-              <a:t>3/24/21</a:t>
+              <a:t>4/13/2021</a:t>
             </a:fld>
             <a:endParaRPr lang="en-US"/>
           </a:p>
@@ -3873,6 +3873,8 @@
                     <a:lumMod val="75000"/>
                   </a:schemeClr>
                 </a:solidFill>
+                <a:latin typeface="Arial" panose="020B0604020202020204" pitchFamily="34" charset="0"/>
+                <a:cs typeface="Arial" panose="020B0604020202020204" pitchFamily="34" charset="0"/>
               </a:rPr>
               <a:t>Private subnet</a:t>
             </a:r>
@@ -3942,6 +3944,8 @@
                     <a:lumMod val="75000"/>
                   </a:schemeClr>
                 </a:solidFill>
+                <a:latin typeface="Arial" panose="020B0604020202020204" pitchFamily="34" charset="0"/>
+                <a:cs typeface="Arial" panose="020B0604020202020204" pitchFamily="34" charset="0"/>
               </a:rPr>
               <a:t>Public subnet</a:t>
             </a:r>
@@ -4011,50 +4015,10 @@
                     <a:lumMod val="75000"/>
                   </a:schemeClr>
                 </a:solidFill>
+                <a:latin typeface="Arial" panose="020B0604020202020204" pitchFamily="34" charset="0"/>
+                <a:cs typeface="Arial" panose="020B0604020202020204" pitchFamily="34" charset="0"/>
               </a:rPr>
               <a:t>Public subnet</a:t>
-            </a:r>
-          </a:p>
-        </p:txBody>
-      </p:sp>
-      <p:sp>
-        <p:nvSpPr>
-          <p:cNvPr id="84" name="TextBox 83">
-            <a:extLst>
-              <a:ext uri="{FF2B5EF4-FFF2-40B4-BE49-F238E27FC236}">
-                <a16:creationId xmlns:a16="http://schemas.microsoft.com/office/drawing/2014/main" id="{91867495-C0B7-D944-B02E-7A49575EDBF7}"/>
-              </a:ext>
-            </a:extLst>
-          </p:cNvPr>
-          <p:cNvSpPr txBox="1"/>
-          <p:nvPr/>
-        </p:nvSpPr>
-        <p:spPr>
-          <a:xfrm>
-            <a:off x="7833785" y="3609003"/>
-            <a:ext cx="1097280" cy="276999"/>
-          </a:xfrm>
-          <a:prstGeom prst="rect">
-            <a:avLst/>
-          </a:prstGeom>
-          <a:noFill/>
-        </p:spPr>
-        <p:txBody>
-          <a:bodyPr wrap="square" rtlCol="0">
-            <a:noAutofit/>
-          </a:bodyPr>
-          <a:lstStyle/>
-          <a:p>
-            <a:pPr algn="ctr"/>
-            <a:r>
-              <a:rPr lang="en-US" sz="1200" dirty="0">
-                <a:solidFill>
-                  <a:schemeClr val="accent5">
-                    <a:lumMod val="75000"/>
-                  </a:schemeClr>
-                </a:solidFill>
-              </a:rPr>
-              <a:t>10.0.2.0/24</a:t>
             </a:r>
           </a:p>
         </p:txBody>
@@ -4122,6 +4086,8 @@
                     <a:lumMod val="75000"/>
                   </a:schemeClr>
                 </a:solidFill>
+                <a:latin typeface="Arial" panose="020B0604020202020204" pitchFamily="34" charset="0"/>
+                <a:cs typeface="Arial" panose="020B0604020202020204" pitchFamily="34" charset="0"/>
               </a:rPr>
               <a:t>Private subnet</a:t>
             </a:r>
@@ -4186,6 +4152,8 @@
                 <a:solidFill>
                   <a:sysClr val="windowText" lastClr="000000"/>
                 </a:solidFill>
+                <a:latin typeface="Arial" panose="020B0604020202020204" pitchFamily="34" charset="0"/>
+                <a:cs typeface="Arial" panose="020B0604020202020204" pitchFamily="34" charset="0"/>
               </a:rPr>
               <a:t>AWS Cloud</a:t>
             </a:r>
@@ -4210,7 +4178,7 @@
           <a:blip r:embed="rId3">
             <a:extLst>
               <a:ext uri="{96DAC541-7B7A-43D3-8B79-37D633B846F1}">
-                <asvg:svgBlip xmlns:asvg="http://schemas.microsoft.com/office/drawing/2016/SVG/main" r:embed="rId4"/>
+                <asvg:svgBlip xmlns:asvg="http://schemas.microsoft.com/office/drawing/2016/SVG/main" xmlns="" r:embed="rId4"/>
               </a:ext>
             </a:extLst>
           </a:blip>
@@ -4287,6 +4255,8 @@
                 <a:solidFill>
                   <a:schemeClr val="accent5"/>
                 </a:solidFill>
+                <a:latin typeface="Arial" panose="020B0604020202020204" pitchFamily="34" charset="0"/>
+                <a:cs typeface="Arial" panose="020B0604020202020204" pitchFamily="34" charset="0"/>
               </a:rPr>
               <a:t>Availability Zone 1 </a:t>
             </a:r>
@@ -4356,6 +4326,8 @@
                     <a:lumMod val="75000"/>
                   </a:schemeClr>
                 </a:solidFill>
+                <a:latin typeface="Arial" panose="020B0604020202020204" pitchFamily="34" charset="0"/>
+                <a:cs typeface="Arial" panose="020B0604020202020204" pitchFamily="34" charset="0"/>
               </a:rPr>
               <a:t>VPC</a:t>
             </a:r>
@@ -4380,7 +4352,7 @@
           <a:blip r:embed="rId5">
             <a:extLst>
               <a:ext uri="{96DAC541-7B7A-43D3-8B79-37D633B846F1}">
-                <asvg:svgBlip xmlns:asvg="http://schemas.microsoft.com/office/drawing/2016/SVG/main" r:embed="rId6"/>
+                <asvg:svgBlip xmlns:asvg="http://schemas.microsoft.com/office/drawing/2016/SVG/main" xmlns="" r:embed="rId6"/>
               </a:ext>
             </a:extLst>
           </a:blip>
@@ -4413,7 +4385,7 @@
         <p:spPr>
           <a:xfrm>
             <a:off x="1467847" y="7618177"/>
-            <a:ext cx="887461" cy="276999"/>
+            <a:ext cx="887461" cy="461665"/>
           </a:xfrm>
           <a:prstGeom prst="rect">
             <a:avLst/>
@@ -4428,7 +4400,10 @@
           <a:p>
             <a:pPr algn="ctr"/>
             <a:r>
-              <a:rPr lang="en-US" sz="1200" dirty="0"/>
+              <a:rPr lang="en-US" sz="1200" dirty="0">
+                <a:latin typeface="Arial" panose="020B0604020202020204" pitchFamily="34" charset="0"/>
+                <a:cs typeface="Arial" panose="020B0604020202020204" pitchFamily="34" charset="0"/>
+              </a:rPr>
               <a:t>Amazon S3</a:t>
             </a:r>
           </a:p>
@@ -4464,7 +4439,10 @@
           <a:p>
             <a:pPr algn="ctr"/>
             <a:r>
-              <a:rPr lang="en-US" sz="1200" dirty="0"/>
+              <a:rPr lang="en-US" sz="1200" dirty="0">
+                <a:latin typeface="Arial" panose="020B0604020202020204" pitchFamily="34" charset="0"/>
+                <a:cs typeface="Arial" panose="020B0604020202020204" pitchFamily="34" charset="0"/>
+              </a:rPr>
               <a:t>Amazon RDS</a:t>
             </a:r>
           </a:p>
@@ -4488,7 +4466,7 @@
           <a:blip r:embed="rId7">
             <a:extLst>
               <a:ext uri="{96DAC541-7B7A-43D3-8B79-37D633B846F1}">
-                <asvg:svgBlip xmlns:asvg="http://schemas.microsoft.com/office/drawing/2016/SVG/main" r:embed="rId8"/>
+                <asvg:svgBlip xmlns:asvg="http://schemas.microsoft.com/office/drawing/2016/SVG/main" xmlns="" r:embed="rId8"/>
               </a:ext>
             </a:extLst>
           </a:blip>
@@ -4524,7 +4502,7 @@
           <a:blip r:embed="rId9">
             <a:extLst>
               <a:ext uri="{96DAC541-7B7A-43D3-8B79-37D633B846F1}">
-                <asvg:svgBlip xmlns:asvg="http://schemas.microsoft.com/office/drawing/2016/SVG/main" r:embed="rId10"/>
+                <asvg:svgBlip xmlns:asvg="http://schemas.microsoft.com/office/drawing/2016/SVG/main" xmlns="" r:embed="rId10"/>
               </a:ext>
             </a:extLst>
           </a:blip>
@@ -4572,7 +4550,10 @@
           <a:p>
             <a:pPr algn="ctr"/>
             <a:r>
-              <a:rPr lang="en-US" sz="1200" dirty="0"/>
+              <a:rPr lang="en-US" sz="1200" dirty="0">
+                <a:latin typeface="Arial" panose="020B0604020202020204" pitchFamily="34" charset="0"/>
+                <a:cs typeface="Arial" panose="020B0604020202020204" pitchFamily="34" charset="0"/>
+              </a:rPr>
               <a:t>Primary node</a:t>
             </a:r>
           </a:p>
@@ -4636,6 +4617,8 @@
               <a:solidFill>
                 <a:srgbClr val="D86613"/>
               </a:solidFill>
+              <a:latin typeface="Arial" panose="020B0604020202020204" pitchFamily="34" charset="0"/>
+              <a:cs typeface="Arial" panose="020B0604020202020204" pitchFamily="34" charset="0"/>
             </a:endParaRPr>
           </a:p>
           <a:p>
@@ -4645,6 +4628,8 @@
                 <a:solidFill>
                   <a:srgbClr val="D86613"/>
                 </a:solidFill>
+                <a:latin typeface="Arial" panose="020B0604020202020204" pitchFamily="34" charset="0"/>
+                <a:cs typeface="Arial" panose="020B0604020202020204" pitchFamily="34" charset="0"/>
               </a:rPr>
               <a:t>         </a:t>
             </a:r>
@@ -4652,6 +4637,8 @@
               <a:solidFill>
                 <a:srgbClr val="D86613"/>
               </a:solidFill>
+              <a:latin typeface="Arial" panose="020B0604020202020204" pitchFamily="34" charset="0"/>
+              <a:cs typeface="Arial" panose="020B0604020202020204" pitchFamily="34" charset="0"/>
             </a:endParaRPr>
           </a:p>
         </p:txBody>
@@ -4674,7 +4661,7 @@
           <a:blip r:embed="rId11">
             <a:extLst>
               <a:ext uri="{96DAC541-7B7A-43D3-8B79-37D633B846F1}">
-                <asvg:svgBlip xmlns:asvg="http://schemas.microsoft.com/office/drawing/2016/SVG/main" r:embed="rId12"/>
+                <asvg:svgBlip xmlns:asvg="http://schemas.microsoft.com/office/drawing/2016/SVG/main" xmlns="" r:embed="rId12"/>
               </a:ext>
             </a:extLst>
           </a:blip>
@@ -4710,7 +4697,7 @@
           <a:blip r:embed="rId9">
             <a:extLst>
               <a:ext uri="{96DAC541-7B7A-43D3-8B79-37D633B846F1}">
-                <asvg:svgBlip xmlns:asvg="http://schemas.microsoft.com/office/drawing/2016/SVG/main" r:embed="rId10"/>
+                <asvg:svgBlip xmlns:asvg="http://schemas.microsoft.com/office/drawing/2016/SVG/main" xmlns="" r:embed="rId10"/>
               </a:ext>
             </a:extLst>
           </a:blip>
@@ -4758,10 +4745,16 @@
           <a:p>
             <a:pPr algn="ctr"/>
             <a:r>
-              <a:rPr lang="en-US" sz="1200"/>
+              <a:rPr lang="en-US" sz="1200">
+                <a:latin typeface="Arial" panose="020B0604020202020204" pitchFamily="34" charset="0"/>
+                <a:cs typeface="Arial" panose="020B0604020202020204" pitchFamily="34" charset="0"/>
+              </a:rPr>
               <a:t>Secondary node</a:t>
             </a:r>
-            <a:endParaRPr lang="en-US" sz="1200" dirty="0"/>
+            <a:endParaRPr lang="en-US" sz="1200" dirty="0">
+              <a:latin typeface="Arial" panose="020B0604020202020204" pitchFamily="34" charset="0"/>
+              <a:cs typeface="Arial" panose="020B0604020202020204" pitchFamily="34" charset="0"/>
+            </a:endParaRPr>
           </a:p>
         </p:txBody>
       </p:sp>
@@ -4795,52 +4788,16 @@
           <a:p>
             <a:pPr algn="ctr"/>
             <a:r>
-              <a:rPr lang="en-US" sz="1200"/>
+              <a:rPr lang="en-US" sz="1200">
+                <a:latin typeface="Arial" panose="020B0604020202020204" pitchFamily="34" charset="0"/>
+                <a:cs typeface="Arial" panose="020B0604020202020204" pitchFamily="34" charset="0"/>
+              </a:rPr>
               <a:t>Artifactory secondary</a:t>
             </a:r>
-            <a:endParaRPr lang="en-US" sz="1200" dirty="0"/>
-          </a:p>
-        </p:txBody>
-      </p:sp>
-      <p:sp>
-        <p:nvSpPr>
-          <p:cNvPr id="63" name="TextBox 62">
-            <a:extLst>
-              <a:ext uri="{FF2B5EF4-FFF2-40B4-BE49-F238E27FC236}">
-                <a16:creationId xmlns:a16="http://schemas.microsoft.com/office/drawing/2014/main" id="{FE764737-0E73-594C-AE8B-DB71DA1EB227}"/>
-              </a:ext>
-            </a:extLst>
-          </p:cNvPr>
-          <p:cNvSpPr txBox="1"/>
-          <p:nvPr/>
-        </p:nvSpPr>
-        <p:spPr>
-          <a:xfrm>
-            <a:off x="3772497" y="3609091"/>
-            <a:ext cx="1280160" cy="276999"/>
-          </a:xfrm>
-          <a:prstGeom prst="rect">
-            <a:avLst/>
-          </a:prstGeom>
-          <a:noFill/>
-        </p:spPr>
-        <p:txBody>
-          <a:bodyPr wrap="square" rtlCol="0">
-            <a:noAutofit/>
-          </a:bodyPr>
-          <a:lstStyle/>
-          <a:p>
-            <a:pPr algn="ctr"/>
-            <a:r>
-              <a:rPr lang="en-US" sz="1200" dirty="0">
-                <a:solidFill>
-                  <a:schemeClr val="accent5">
-                    <a:lumMod val="75000"/>
-                  </a:schemeClr>
-                </a:solidFill>
-              </a:rPr>
-              <a:t>10.0.1.0/24</a:t>
-            </a:r>
+            <a:endParaRPr lang="en-US" sz="1200" dirty="0">
+              <a:latin typeface="Arial" panose="020B0604020202020204" pitchFamily="34" charset="0"/>
+              <a:cs typeface="Arial" panose="020B0604020202020204" pitchFamily="34" charset="0"/>
+            </a:endParaRPr>
           </a:p>
         </p:txBody>
       </p:sp>
@@ -4862,7 +4819,7 @@
           <a:blip r:embed="rId13">
             <a:extLst>
               <a:ext uri="{96DAC541-7B7A-43D3-8B79-37D633B846F1}">
-                <asvg:svgBlip xmlns:asvg="http://schemas.microsoft.com/office/drawing/2016/SVG/main" r:embed="rId14"/>
+                <asvg:svgBlip xmlns:asvg="http://schemas.microsoft.com/office/drawing/2016/SVG/main" xmlns="" r:embed="rId14"/>
               </a:ext>
             </a:extLst>
           </a:blip>
@@ -4939,6 +4896,8 @@
                 <a:solidFill>
                   <a:schemeClr val="accent5"/>
                 </a:solidFill>
+                <a:latin typeface="Arial" panose="020B0604020202020204" pitchFamily="34" charset="0"/>
+                <a:cs typeface="Arial" panose="020B0604020202020204" pitchFamily="34" charset="0"/>
               </a:rPr>
               <a:t>Availability Zone 2 </a:t>
             </a:r>
@@ -4975,26 +4934,41 @@
           <a:p>
             <a:pPr algn="ctr"/>
             <a:r>
-              <a:rPr lang="en-US" sz="1200" dirty="0"/>
+              <a:rPr lang="en-US" sz="1200" dirty="0">
+                <a:latin typeface="Arial" panose="020B0604020202020204" pitchFamily="34" charset="0"/>
+                <a:cs typeface="Arial" panose="020B0604020202020204" pitchFamily="34" charset="0"/>
+              </a:rPr>
               <a:t>Amazon RDS </a:t>
             </a:r>
           </a:p>
           <a:p>
             <a:pPr algn="ctr"/>
             <a:r>
-              <a:rPr lang="en-US" sz="1200"/>
+              <a:rPr lang="en-US" sz="1200">
+                <a:latin typeface="Arial" panose="020B0604020202020204" pitchFamily="34" charset="0"/>
+                <a:cs typeface="Arial" panose="020B0604020202020204" pitchFamily="34" charset="0"/>
+              </a:rPr>
               <a:t>HA (</a:t>
             </a:r>
             <a:r>
-              <a:rPr lang="en-US" sz="1200" dirty="0"/>
+              <a:rPr lang="en-US" sz="1200" dirty="0">
+                <a:latin typeface="Arial" panose="020B0604020202020204" pitchFamily="34" charset="0"/>
+                <a:cs typeface="Arial" panose="020B0604020202020204" pitchFamily="34" charset="0"/>
+              </a:rPr>
               <a:t>o</a:t>
             </a:r>
             <a:r>
-              <a:rPr lang="en-US" sz="1200"/>
+              <a:rPr lang="en-US" sz="1200">
+                <a:latin typeface="Arial" panose="020B0604020202020204" pitchFamily="34" charset="0"/>
+                <a:cs typeface="Arial" panose="020B0604020202020204" pitchFamily="34" charset="0"/>
+              </a:rPr>
               <a:t>ptional</a:t>
             </a:r>
             <a:r>
-              <a:rPr lang="en-US" sz="1200" dirty="0"/>
+              <a:rPr lang="en-US" sz="1200" dirty="0">
+                <a:latin typeface="Arial" panose="020B0604020202020204" pitchFamily="34" charset="0"/>
+                <a:cs typeface="Arial" panose="020B0604020202020204" pitchFamily="34" charset="0"/>
+              </a:rPr>
               <a:t>)</a:t>
             </a:r>
           </a:p>
@@ -5018,7 +4992,7 @@
           <a:blip r:embed="rId15">
             <a:extLst>
               <a:ext uri="{96DAC541-7B7A-43D3-8B79-37D633B846F1}">
-                <asvg:svgBlip xmlns:asvg="http://schemas.microsoft.com/office/drawing/2016/SVG/main" r:embed="rId16"/>
+                <asvg:svgBlip xmlns:asvg="http://schemas.microsoft.com/office/drawing/2016/SVG/main" xmlns="" r:embed="rId16"/>
               </a:ext>
             </a:extLst>
           </a:blip>
@@ -5054,7 +5028,7 @@
           <a:blip r:embed="rId7">
             <a:extLst>
               <a:ext uri="{96DAC541-7B7A-43D3-8B79-37D633B846F1}">
-                <asvg:svgBlip xmlns:asvg="http://schemas.microsoft.com/office/drawing/2016/SVG/main" r:embed="rId8"/>
+                <asvg:svgBlip xmlns:asvg="http://schemas.microsoft.com/office/drawing/2016/SVG/main" xmlns="" r:embed="rId8"/>
               </a:ext>
             </a:extLst>
           </a:blip>
@@ -5090,7 +5064,7 @@
           <a:blip r:embed="rId9">
             <a:extLst>
               <a:ext uri="{96DAC541-7B7A-43D3-8B79-37D633B846F1}">
-                <asvg:svgBlip xmlns:asvg="http://schemas.microsoft.com/office/drawing/2016/SVG/main" r:embed="rId10"/>
+                <asvg:svgBlip xmlns:asvg="http://schemas.microsoft.com/office/drawing/2016/SVG/main" xmlns="" r:embed="rId10"/>
               </a:ext>
             </a:extLst>
           </a:blip>
@@ -5138,10 +5112,16 @@
           <a:p>
             <a:pPr algn="ctr"/>
             <a:r>
-              <a:rPr lang="en-US" sz="1200"/>
+              <a:rPr lang="en-US" sz="1200">
+                <a:latin typeface="Arial" panose="020B0604020202020204" pitchFamily="34" charset="0"/>
+                <a:cs typeface="Arial" panose="020B0604020202020204" pitchFamily="34" charset="0"/>
+              </a:rPr>
               <a:t>Secondary node</a:t>
             </a:r>
-            <a:endParaRPr lang="en-US" sz="1200" dirty="0"/>
+            <a:endParaRPr lang="en-US" sz="1200" dirty="0">
+              <a:latin typeface="Arial" panose="020B0604020202020204" pitchFamily="34" charset="0"/>
+              <a:cs typeface="Arial" panose="020B0604020202020204" pitchFamily="34" charset="0"/>
+            </a:endParaRPr>
           </a:p>
         </p:txBody>
       </p:sp>
@@ -5163,7 +5143,7 @@
           <a:blip r:embed="rId13">
             <a:extLst>
               <a:ext uri="{96DAC541-7B7A-43D3-8B79-37D633B846F1}">
-                <asvg:svgBlip xmlns:asvg="http://schemas.microsoft.com/office/drawing/2016/SVG/main" r:embed="rId14"/>
+                <asvg:svgBlip xmlns:asvg="http://schemas.microsoft.com/office/drawing/2016/SVG/main" xmlns="" r:embed="rId14"/>
               </a:ext>
             </a:extLst>
           </a:blip>
@@ -5282,25 +5262,31 @@
           <a:lstStyle/>
           <a:p>
             <a:pPr algn="ctr"/>
-            <a:endParaRPr lang="en-US" sz="1100" dirty="0">
-              <a:solidFill>
-                <a:srgbClr val="D86613"/>
-              </a:solidFill>
-            </a:endParaRPr>
-          </a:p>
-          <a:p>
-            <a:r>
-              <a:rPr lang="en-US" sz="1100">
-                <a:solidFill>
-                  <a:srgbClr val="D86613"/>
-                </a:solidFill>
-              </a:rPr>
-              <a:t>                                                               </a:t>
-            </a:r>
             <a:endParaRPr lang="en-US" sz="1200" dirty="0">
               <a:solidFill>
                 <a:srgbClr val="D86613"/>
               </a:solidFill>
+              <a:latin typeface="Arial" panose="020B0604020202020204" pitchFamily="34" charset="0"/>
+              <a:cs typeface="Arial" panose="020B0604020202020204" pitchFamily="34" charset="0"/>
+            </a:endParaRPr>
+          </a:p>
+          <a:p>
+            <a:r>
+              <a:rPr lang="en-US" sz="1200">
+                <a:solidFill>
+                  <a:srgbClr val="D86613"/>
+                </a:solidFill>
+                <a:latin typeface="Arial" panose="020B0604020202020204" pitchFamily="34" charset="0"/>
+                <a:cs typeface="Arial" panose="020B0604020202020204" pitchFamily="34" charset="0"/>
+              </a:rPr>
+              <a:t>                                                               </a:t>
+            </a:r>
+            <a:endParaRPr lang="en-US" sz="1200" dirty="0">
+              <a:solidFill>
+                <a:srgbClr val="D86613"/>
+              </a:solidFill>
+              <a:latin typeface="Arial" panose="020B0604020202020204" pitchFamily="34" charset="0"/>
+              <a:cs typeface="Arial" panose="020B0604020202020204" pitchFamily="34" charset="0"/>
             </a:endParaRPr>
           </a:p>
         </p:txBody>
@@ -5323,7 +5309,7 @@
           <a:blip r:embed="rId11">
             <a:extLst>
               <a:ext uri="{96DAC541-7B7A-43D3-8B79-37D633B846F1}">
-                <asvg:svgBlip xmlns:asvg="http://schemas.microsoft.com/office/drawing/2016/SVG/main" r:embed="rId12"/>
+                <asvg:svgBlip xmlns:asvg="http://schemas.microsoft.com/office/drawing/2016/SVG/main" xmlns="" r:embed="rId12"/>
               </a:ext>
             </a:extLst>
           </a:blip>
@@ -5359,7 +5345,7 @@
           <a:blip r:embed="rId17">
             <a:extLst>
               <a:ext uri="{96DAC541-7B7A-43D3-8B79-37D633B846F1}">
-                <asvg:svgBlip xmlns:asvg="http://schemas.microsoft.com/office/drawing/2016/SVG/main" r:embed="rId18"/>
+                <asvg:svgBlip xmlns:asvg="http://schemas.microsoft.com/office/drawing/2016/SVG/main" xmlns="" r:embed="rId18"/>
               </a:ext>
             </a:extLst>
           </a:blip>
@@ -5411,6 +5397,8 @@
                 <a:solidFill>
                   <a:srgbClr val="232F3E"/>
                 </a:solidFill>
+                <a:latin typeface="Arial" panose="020B0604020202020204" pitchFamily="34" charset="0"/>
+                <a:cs typeface="Arial" panose="020B0604020202020204" pitchFamily="34" charset="0"/>
               </a:rPr>
               <a:t>Bastion</a:t>
             </a:r>
@@ -5451,6 +5439,8 @@
                 <a:solidFill>
                   <a:srgbClr val="232F3E"/>
                 </a:solidFill>
+                <a:latin typeface="Arial" panose="020B0604020202020204" pitchFamily="34" charset="0"/>
+                <a:cs typeface="Arial" panose="020B0604020202020204" pitchFamily="34" charset="0"/>
               </a:rPr>
               <a:t>Bastion</a:t>
             </a:r>
@@ -5475,7 +5465,7 @@
           <a:blip r:embed="rId19">
             <a:extLst>
               <a:ext uri="{96DAC541-7B7A-43D3-8B79-37D633B846F1}">
-                <asvg:svgBlip xmlns:asvg="http://schemas.microsoft.com/office/drawing/2016/SVG/main" r:embed="rId20"/>
+                <asvg:svgBlip xmlns:asvg="http://schemas.microsoft.com/office/drawing/2016/SVG/main" xmlns="" r:embed="rId20"/>
               </a:ext>
             </a:extLst>
           </a:blip>
@@ -5511,7 +5501,7 @@
           <a:blip r:embed="rId19">
             <a:extLst>
               <a:ext uri="{96DAC541-7B7A-43D3-8B79-37D633B846F1}">
-                <asvg:svgBlip xmlns:asvg="http://schemas.microsoft.com/office/drawing/2016/SVG/main" r:embed="rId20"/>
+                <asvg:svgBlip xmlns:asvg="http://schemas.microsoft.com/office/drawing/2016/SVG/main" xmlns="" r:embed="rId20"/>
               </a:ext>
             </a:extLst>
           </a:blip>
@@ -5563,6 +5553,8 @@
                 <a:solidFill>
                   <a:srgbClr val="232F3E"/>
                 </a:solidFill>
+                <a:latin typeface="Arial" panose="020B0604020202020204" pitchFamily="34" charset="0"/>
+                <a:cs typeface="Arial" panose="020B0604020202020204" pitchFamily="34" charset="0"/>
               </a:rPr>
               <a:t>NAT gateway</a:t>
             </a:r>
@@ -5570,6 +5562,8 @@
               <a:solidFill>
                 <a:srgbClr val="232F3E"/>
               </a:solidFill>
+              <a:latin typeface="Arial" panose="020B0604020202020204" pitchFamily="34" charset="0"/>
+              <a:cs typeface="Arial" panose="020B0604020202020204" pitchFamily="34" charset="0"/>
             </a:endParaRPr>
           </a:p>
         </p:txBody>
@@ -5589,7 +5583,7 @@
         <p:spPr>
           <a:xfrm>
             <a:off x="7218054" y="2447715"/>
-            <a:ext cx="1047568" cy="276999"/>
+            <a:ext cx="1047568" cy="461665"/>
           </a:xfrm>
           <a:prstGeom prst="rect">
             <a:avLst/>
@@ -5608,6 +5602,8 @@
                 <a:solidFill>
                   <a:srgbClr val="232F3E"/>
                 </a:solidFill>
+                <a:latin typeface="Arial" panose="020B0604020202020204" pitchFamily="34" charset="0"/>
+                <a:cs typeface="Arial" panose="020B0604020202020204" pitchFamily="34" charset="0"/>
               </a:rPr>
               <a:t>NAT gateway</a:t>
             </a:r>
@@ -5615,6 +5611,8 @@
               <a:solidFill>
                 <a:srgbClr val="232F3E"/>
               </a:solidFill>
+              <a:latin typeface="Arial" panose="020B0604020202020204" pitchFamily="34" charset="0"/>
+              <a:cs typeface="Arial" panose="020B0604020202020204" pitchFamily="34" charset="0"/>
             </a:endParaRPr>
           </a:p>
         </p:txBody>
@@ -5649,14 +5647,20 @@
           <a:p>
             <a:pPr algn="ctr"/>
             <a:r>
-              <a:rPr lang="en-US" sz="1200" dirty="0"/>
+              <a:rPr lang="en-US" sz="1200" dirty="0">
+                <a:latin typeface="Arial" panose="020B0604020202020204" pitchFamily="34" charset="0"/>
+                <a:cs typeface="Arial" panose="020B0604020202020204" pitchFamily="34" charset="0"/>
+              </a:rPr>
               <a:t>Elastic Load </a:t>
             </a:r>
           </a:p>
           <a:p>
             <a:pPr algn="ctr"/>
             <a:r>
-              <a:rPr lang="en-US" sz="1200" dirty="0"/>
+              <a:rPr lang="en-US" sz="1200" dirty="0">
+                <a:latin typeface="Arial" panose="020B0604020202020204" pitchFamily="34" charset="0"/>
+                <a:cs typeface="Arial" panose="020B0604020202020204" pitchFamily="34" charset="0"/>
+              </a:rPr>
               <a:t>Balancing</a:t>
             </a:r>
           </a:p>
@@ -5680,7 +5684,7 @@
           <a:blip r:embed="rId21">
             <a:extLst>
               <a:ext uri="{96DAC541-7B7A-43D3-8B79-37D633B846F1}">
-                <asvg:svgBlip xmlns:asvg="http://schemas.microsoft.com/office/drawing/2016/SVG/main" r:embed="rId22"/>
+                <asvg:svgBlip xmlns:asvg="http://schemas.microsoft.com/office/drawing/2016/SVG/main" xmlns="" r:embed="rId22"/>
               </a:ext>
             </a:extLst>
           </a:blip>
@@ -5716,7 +5720,7 @@
           <a:blip r:embed="rId23">
             <a:extLst>
               <a:ext uri="{96DAC541-7B7A-43D3-8B79-37D633B846F1}">
-                <asvg:svgBlip xmlns:asvg="http://schemas.microsoft.com/office/drawing/2016/SVG/main" r:embed="rId24"/>
+                <asvg:svgBlip xmlns:asvg="http://schemas.microsoft.com/office/drawing/2016/SVG/main" xmlns="" r:embed="rId24"/>
               </a:ext>
             </a:extLst>
           </a:blip>
@@ -5768,6 +5772,8 @@
                 <a:solidFill>
                   <a:srgbClr val="232F3E"/>
                 </a:solidFill>
+                <a:latin typeface="Arial" panose="020B0604020202020204" pitchFamily="34" charset="0"/>
+                <a:cs typeface="Arial" panose="020B0604020202020204" pitchFamily="34" charset="0"/>
               </a:rPr>
               <a:t>Users</a:t>
             </a:r>
@@ -5792,7 +5798,7 @@
           <a:blip r:embed="rId25">
             <a:extLst>
               <a:ext uri="{96DAC541-7B7A-43D3-8B79-37D633B846F1}">
-                <asvg:svgBlip xmlns:asvg="http://schemas.microsoft.com/office/drawing/2016/SVG/main" r:embed="rId26"/>
+                <asvg:svgBlip xmlns:asvg="http://schemas.microsoft.com/office/drawing/2016/SVG/main" xmlns="" r:embed="rId26"/>
               </a:ext>
             </a:extLst>
           </a:blip>
@@ -5844,6 +5850,8 @@
                 <a:solidFill>
                   <a:srgbClr val="232F3E"/>
                 </a:solidFill>
+                <a:latin typeface="Arial" panose="020B0604020202020204" pitchFamily="34" charset="0"/>
+                <a:cs typeface="Arial" panose="020B0604020202020204" pitchFamily="34" charset="0"/>
               </a:rPr>
               <a:t>Admin</a:t>
             </a:r>
@@ -5904,10 +5912,12 @@
           <a:lstStyle/>
           <a:p>
             <a:pPr algn="ctr"/>
-            <a:endParaRPr lang="en-US" sz="1100" dirty="0">
+            <a:endParaRPr lang="en-US" sz="1200" dirty="0">
               <a:solidFill>
                 <a:srgbClr val="D86613"/>
               </a:solidFill>
+              <a:latin typeface="Arial" panose="020B0604020202020204" pitchFamily="34" charset="0"/>
+              <a:cs typeface="Arial" panose="020B0604020202020204" pitchFamily="34" charset="0"/>
             </a:endParaRPr>
           </a:p>
         </p:txBody>
@@ -5930,7 +5940,7 @@
           <a:blip r:embed="rId11">
             <a:extLst>
               <a:ext uri="{96DAC541-7B7A-43D3-8B79-37D633B846F1}">
-                <asvg:svgBlip xmlns:asvg="http://schemas.microsoft.com/office/drawing/2016/SVG/main" r:embed="rId12"/>
+                <asvg:svgBlip xmlns:asvg="http://schemas.microsoft.com/office/drawing/2016/SVG/main" xmlns="" r:embed="rId12"/>
               </a:ext>
             </a:extLst>
           </a:blip>
@@ -5978,7 +5988,10 @@
           <a:p>
             <a:pPr algn="ctr"/>
             <a:r>
-              <a:rPr lang="en-US" sz="1200" dirty="0"/>
+              <a:rPr lang="en-US" sz="1200" dirty="0">
+                <a:latin typeface="Arial" panose="020B0604020202020204" pitchFamily="34" charset="0"/>
+                <a:cs typeface="Arial" panose="020B0604020202020204" pitchFamily="34" charset="0"/>
+              </a:rPr>
               <a:t>Primary node</a:t>
             </a:r>
           </a:p>
@@ -6104,7 +6117,10 @@
             <a:lstStyle/>
             <a:p>
               <a:pPr algn="ctr"/>
-              <a:endParaRPr lang="en-US" dirty="0"/>
+              <a:endParaRPr lang="en-US" sz="1200" dirty="0">
+                <a:latin typeface="Arial" panose="020B0604020202020204" pitchFamily="34" charset="0"/>
+                <a:cs typeface="Arial" panose="020B0604020202020204" pitchFamily="34" charset="0"/>
+              </a:endParaRPr>
             </a:p>
           </p:txBody>
         </p:sp>
@@ -6182,6 +6198,8 @@
                 <a:solidFill>
                   <a:srgbClr val="D86613"/>
                 </a:solidFill>
+                <a:latin typeface="Arial" panose="020B0604020202020204" pitchFamily="34" charset="0"/>
+                <a:cs typeface="Arial" panose="020B0604020202020204" pitchFamily="34" charset="0"/>
               </a:rPr>
               <a:t>Auto Scaling group</a:t>
             </a:r>
@@ -6216,6 +6234,8 @@
                 <a:solidFill>
                   <a:srgbClr val="D86613"/>
                 </a:solidFill>
+                <a:latin typeface="Arial" panose="020B0604020202020204" pitchFamily="34" charset="0"/>
+                <a:cs typeface="Arial" panose="020B0604020202020204" pitchFamily="34" charset="0"/>
               </a:rPr>
               <a:t>Auto Scaling group</a:t>
             </a:r>
@@ -6250,6 +6270,8 @@
                 <a:solidFill>
                   <a:srgbClr val="D86613"/>
                 </a:solidFill>
+                <a:latin typeface="Arial" panose="020B0604020202020204" pitchFamily="34" charset="0"/>
+                <a:cs typeface="Arial" panose="020B0604020202020204" pitchFamily="34" charset="0"/>
               </a:rPr>
               <a:t>Auto Scaling group</a:t>
             </a:r>
@@ -6405,7 +6427,7 @@
           <a:blip r:embed="rId29">
             <a:extLst>
               <a:ext uri="{96DAC541-7B7A-43D3-8B79-37D633B846F1}">
-                <asvg:svgBlip xmlns:asvg="http://schemas.microsoft.com/office/drawing/2016/SVG/main" r:embed="rId30"/>
+                <asvg:svgBlip xmlns:asvg="http://schemas.microsoft.com/office/drawing/2016/SVG/main" xmlns="" r:embed="rId30"/>
               </a:ext>
             </a:extLst>
           </a:blip>
@@ -6441,7 +6463,7 @@
           <a:blip r:embed="rId31">
             <a:extLst>
               <a:ext uri="{96DAC541-7B7A-43D3-8B79-37D633B846F1}">
-                <asvg:svgBlip xmlns:asvg="http://schemas.microsoft.com/office/drawing/2016/SVG/main" r:embed="rId32"/>
+                <asvg:svgBlip xmlns:asvg="http://schemas.microsoft.com/office/drawing/2016/SVG/main" xmlns="" r:embed="rId32"/>
               </a:ext>
             </a:extLst>
           </a:blip>
@@ -6507,10 +6529,16 @@
           </a:lstStyle>
           <a:p>
             <a:r>
-              <a:rPr lang="en-US" sz="1400"/>
+              <a:rPr lang="en-US" sz="1200">
+                <a:latin typeface="Arial" panose="020B0604020202020204" pitchFamily="34" charset="0"/>
+                <a:cs typeface="Arial" panose="020B0604020202020204" pitchFamily="34" charset="0"/>
+              </a:rPr>
               <a:t>EC2</a:t>
             </a:r>
-            <a:endParaRPr lang="en-US" sz="1400" dirty="0"/>
+            <a:endParaRPr lang="en-US" sz="1200" dirty="0">
+              <a:latin typeface="Arial" panose="020B0604020202020204" pitchFamily="34" charset="0"/>
+              <a:cs typeface="Arial" panose="020B0604020202020204" pitchFamily="34" charset="0"/>
+            </a:endParaRPr>
           </a:p>
         </p:txBody>
       </p:sp>
@@ -6681,7 +6709,10 @@
             <a:lstStyle/>
             <a:p>
               <a:pPr algn="ctr"/>
-              <a:endParaRPr lang="en-US" dirty="0"/>
+              <a:endParaRPr lang="en-US" sz="1200" dirty="0">
+                <a:latin typeface="Arial" panose="020B0604020202020204" pitchFamily="34" charset="0"/>
+                <a:cs typeface="Arial" panose="020B0604020202020204" pitchFamily="34" charset="0"/>
+              </a:endParaRPr>
             </a:p>
           </p:txBody>
         </p:sp>
@@ -6789,6 +6820,8 @@
               <a:solidFill>
                 <a:srgbClr val="D86613"/>
               </a:solidFill>
+              <a:latin typeface="Arial" panose="020B0604020202020204" pitchFamily="34" charset="0"/>
+              <a:cs typeface="Arial" panose="020B0604020202020204" pitchFamily="34" charset="0"/>
             </a:endParaRPr>
           </a:p>
           <a:p>
@@ -6798,6 +6831,8 @@
                 <a:solidFill>
                   <a:srgbClr val="D86613"/>
                 </a:solidFill>
+                <a:latin typeface="Arial" panose="020B0604020202020204" pitchFamily="34" charset="0"/>
+                <a:cs typeface="Arial" panose="020B0604020202020204" pitchFamily="34" charset="0"/>
               </a:rPr>
               <a:t>         </a:t>
             </a:r>
@@ -6805,6 +6840,8 @@
               <a:solidFill>
                 <a:srgbClr val="D86613"/>
               </a:solidFill>
+              <a:latin typeface="Arial" panose="020B0604020202020204" pitchFamily="34" charset="0"/>
+              <a:cs typeface="Arial" panose="020B0604020202020204" pitchFamily="34" charset="0"/>
             </a:endParaRPr>
           </a:p>
         </p:txBody>
@@ -6827,7 +6864,7 @@
           <a:blip r:embed="rId11">
             <a:extLst>
               <a:ext uri="{96DAC541-7B7A-43D3-8B79-37D633B846F1}">
-                <asvg:svgBlip xmlns:asvg="http://schemas.microsoft.com/office/drawing/2016/SVG/main" r:embed="rId12"/>
+                <asvg:svgBlip xmlns:asvg="http://schemas.microsoft.com/office/drawing/2016/SVG/main" xmlns="" r:embed="rId12"/>
               </a:ext>
             </a:extLst>
           </a:blip>
@@ -6863,7 +6900,7 @@
           <a:blip r:embed="rId9">
             <a:extLst>
               <a:ext uri="{96DAC541-7B7A-43D3-8B79-37D633B846F1}">
-                <asvg:svgBlip xmlns:asvg="http://schemas.microsoft.com/office/drawing/2016/SVG/main" r:embed="rId10"/>
+                <asvg:svgBlip xmlns:asvg="http://schemas.microsoft.com/office/drawing/2016/SVG/main" xmlns="" r:embed="rId10"/>
               </a:ext>
             </a:extLst>
           </a:blip>
@@ -6911,7 +6948,10 @@
           <a:p>
             <a:pPr algn="ctr"/>
             <a:r>
-              <a:rPr lang="en-US" sz="1200" dirty="0"/>
+              <a:rPr lang="en-US" sz="1200" dirty="0">
+                <a:latin typeface="Arial" panose="020B0604020202020204" pitchFamily="34" charset="0"/>
+                <a:cs typeface="Arial" panose="020B0604020202020204" pitchFamily="34" charset="0"/>
+              </a:rPr>
               <a:t>Xray node(s)</a:t>
             </a:r>
           </a:p>
@@ -6935,7 +6975,7 @@
           <a:blip r:embed="rId9">
             <a:extLst>
               <a:ext uri="{96DAC541-7B7A-43D3-8B79-37D633B846F1}">
-                <asvg:svgBlip xmlns:asvg="http://schemas.microsoft.com/office/drawing/2016/SVG/main" r:embed="rId10"/>
+                <asvg:svgBlip xmlns:asvg="http://schemas.microsoft.com/office/drawing/2016/SVG/main" xmlns="" r:embed="rId10"/>
               </a:ext>
             </a:extLst>
           </a:blip>
@@ -6983,7 +7023,10 @@
           <a:p>
             <a:pPr algn="ctr"/>
             <a:r>
-              <a:rPr lang="en-US" sz="1200" dirty="0"/>
+              <a:rPr lang="en-US" sz="1200" dirty="0">
+                <a:latin typeface="Arial" panose="020B0604020202020204" pitchFamily="34" charset="0"/>
+                <a:cs typeface="Arial" panose="020B0604020202020204" pitchFamily="34" charset="0"/>
+              </a:rPr>
               <a:t>Xray node(s)</a:t>
             </a:r>
           </a:p>
@@ -7023,6 +7066,8 @@
                 <a:solidFill>
                   <a:srgbClr val="D86613"/>
                 </a:solidFill>
+                <a:latin typeface="Arial" panose="020B0604020202020204" pitchFamily="34" charset="0"/>
+                <a:cs typeface="Arial" panose="020B0604020202020204" pitchFamily="34" charset="0"/>
               </a:rPr>
               <a:t>Auto Scaling group</a:t>
             </a:r>
@@ -7059,14 +7104,20 @@
           <a:p>
             <a:pPr algn="ctr"/>
             <a:r>
-              <a:rPr lang="en-US" sz="1200" dirty="0"/>
+              <a:rPr lang="en-US" sz="1200" dirty="0">
+                <a:latin typeface="Arial" panose="020B0604020202020204" pitchFamily="34" charset="0"/>
+                <a:cs typeface="Arial" panose="020B0604020202020204" pitchFamily="34" charset="0"/>
+              </a:rPr>
               <a:t>Elastic Load </a:t>
             </a:r>
           </a:p>
           <a:p>
             <a:pPr algn="ctr"/>
             <a:r>
-              <a:rPr lang="en-US" sz="1200" dirty="0"/>
+              <a:rPr lang="en-US" sz="1200" dirty="0">
+                <a:latin typeface="Arial" panose="020B0604020202020204" pitchFamily="34" charset="0"/>
+                <a:cs typeface="Arial" panose="020B0604020202020204" pitchFamily="34" charset="0"/>
+              </a:rPr>
               <a:t>Balancing</a:t>
             </a:r>
           </a:p>
@@ -7090,7 +7141,7 @@
           <a:blip r:embed="rId21">
             <a:extLst>
               <a:ext uri="{96DAC541-7B7A-43D3-8B79-37D633B846F1}">
-                <asvg:svgBlip xmlns:asvg="http://schemas.microsoft.com/office/drawing/2016/SVG/main" r:embed="rId22"/>
+                <asvg:svgBlip xmlns:asvg="http://schemas.microsoft.com/office/drawing/2016/SVG/main" xmlns="" r:embed="rId22"/>
               </a:ext>
             </a:extLst>
           </a:blip>
@@ -7253,7 +7304,10 @@
           <a:lstStyle/>
           <a:p>
             <a:pPr algn="ctr"/>
-            <a:endParaRPr lang="en-US" dirty="0"/>
+            <a:endParaRPr lang="en-US" sz="1200" dirty="0">
+              <a:latin typeface="Arial" panose="020B0604020202020204" pitchFamily="34" charset="0"/>
+              <a:cs typeface="Arial" panose="020B0604020202020204" pitchFamily="34" charset="0"/>
+            </a:endParaRPr>
           </a:p>
         </p:txBody>
       </p:sp>
@@ -7349,7 +7403,10 @@
               </a:spcAft>
               <a:defRPr/>
             </a:pPr>
-            <a:endParaRPr lang="en-US" dirty="0"/>
+            <a:endParaRPr lang="en-US" sz="1200" dirty="0">
+              <a:latin typeface="Arial" panose="020B0604020202020204" pitchFamily="34" charset="0"/>
+              <a:cs typeface="Arial" panose="020B0604020202020204" pitchFamily="34" charset="0"/>
+            </a:endParaRPr>
           </a:p>
         </p:txBody>
       </p:sp>
@@ -7414,7 +7471,7 @@
           <a:blip r:embed="rId33">
             <a:extLst>
               <a:ext uri="{96DAC541-7B7A-43D3-8B79-37D633B846F1}">
-                <asvg:svgBlip xmlns:asvg="http://schemas.microsoft.com/office/drawing/2016/SVG/main" r:embed="rId34"/>
+                <asvg:svgBlip xmlns:asvg="http://schemas.microsoft.com/office/drawing/2016/SVG/main" xmlns="" r:embed="rId34"/>
               </a:ext>
             </a:extLst>
           </a:blip>
@@ -7450,7 +7507,7 @@
           <a:blip r:embed="rId35">
             <a:extLst>
               <a:ext uri="{96DAC541-7B7A-43D3-8B79-37D633B846F1}">
-                <asvg:svgBlip xmlns:asvg="http://schemas.microsoft.com/office/drawing/2016/SVG/main" r:embed="rId36"/>
+                <asvg:svgBlip xmlns:asvg="http://schemas.microsoft.com/office/drawing/2016/SVG/main" xmlns="" r:embed="rId36"/>
               </a:ext>
             </a:extLst>
           </a:blip>
@@ -7780,7 +7837,7 @@
           <a:blip r:embed="rId3">
             <a:extLst>
               <a:ext uri="{96DAC541-7B7A-43D3-8B79-37D633B846F1}">
-                <asvg:svgBlip xmlns:asvg="http://schemas.microsoft.com/office/drawing/2016/SVG/main" r:embed="rId4"/>
+                <asvg:svgBlip xmlns:asvg="http://schemas.microsoft.com/office/drawing/2016/SVG/main" xmlns="" r:embed="rId4"/>
               </a:ext>
             </a:extLst>
           </a:blip>
@@ -7950,7 +8007,7 @@
           <a:blip r:embed="rId5">
             <a:extLst>
               <a:ext uri="{96DAC541-7B7A-43D3-8B79-37D633B846F1}">
-                <asvg:svgBlip xmlns:asvg="http://schemas.microsoft.com/office/drawing/2016/SVG/main" r:embed="rId6"/>
+                <asvg:svgBlip xmlns:asvg="http://schemas.microsoft.com/office/drawing/2016/SVG/main" xmlns="" r:embed="rId6"/>
               </a:ext>
             </a:extLst>
           </a:blip>
@@ -8026,7 +8083,7 @@
           <a:blip r:embed="rId7">
             <a:extLst>
               <a:ext uri="{96DAC541-7B7A-43D3-8B79-37D633B846F1}">
-                <asvg:svgBlip xmlns:asvg="http://schemas.microsoft.com/office/drawing/2016/SVG/main" r:embed="rId8"/>
+                <asvg:svgBlip xmlns:asvg="http://schemas.microsoft.com/office/drawing/2016/SVG/main" xmlns="" r:embed="rId8"/>
               </a:ext>
             </a:extLst>
           </a:blip>
@@ -8146,7 +8203,7 @@
           <a:blip r:embed="rId9">
             <a:extLst>
               <a:ext uri="{96DAC541-7B7A-43D3-8B79-37D633B846F1}">
-                <asvg:svgBlip xmlns:asvg="http://schemas.microsoft.com/office/drawing/2016/SVG/main" r:embed="rId10"/>
+                <asvg:svgBlip xmlns:asvg="http://schemas.microsoft.com/office/drawing/2016/SVG/main" xmlns="" r:embed="rId10"/>
               </a:ext>
             </a:extLst>
           </a:blip>
@@ -8304,7 +8361,7 @@
           <a:blip r:embed="rId11">
             <a:extLst>
               <a:ext uri="{96DAC541-7B7A-43D3-8B79-37D633B846F1}">
-                <asvg:svgBlip xmlns:asvg="http://schemas.microsoft.com/office/drawing/2016/SVG/main" r:embed="rId12"/>
+                <asvg:svgBlip xmlns:asvg="http://schemas.microsoft.com/office/drawing/2016/SVG/main" xmlns="" r:embed="rId12"/>
               </a:ext>
             </a:extLst>
           </a:blip>
@@ -8340,7 +8397,7 @@
           <a:blip r:embed="rId13">
             <a:extLst>
               <a:ext uri="{96DAC541-7B7A-43D3-8B79-37D633B846F1}">
-                <asvg:svgBlip xmlns:asvg="http://schemas.microsoft.com/office/drawing/2016/SVG/main" r:embed="rId14"/>
+                <asvg:svgBlip xmlns:asvg="http://schemas.microsoft.com/office/drawing/2016/SVG/main" xmlns="" r:embed="rId14"/>
               </a:ext>
             </a:extLst>
           </a:blip>
@@ -8416,7 +8473,7 @@
           <a:blip r:embed="rId11">
             <a:extLst>
               <a:ext uri="{96DAC541-7B7A-43D3-8B79-37D633B846F1}">
-                <asvg:svgBlip xmlns:asvg="http://schemas.microsoft.com/office/drawing/2016/SVG/main" r:embed="rId12"/>
+                <asvg:svgBlip xmlns:asvg="http://schemas.microsoft.com/office/drawing/2016/SVG/main" xmlns="" r:embed="rId12"/>
               </a:ext>
             </a:extLst>
           </a:blip>
@@ -8655,7 +8712,7 @@
           <a:blip r:embed="rId15">
             <a:extLst>
               <a:ext uri="{96DAC541-7B7A-43D3-8B79-37D633B846F1}">
-                <asvg:svgBlip xmlns:asvg="http://schemas.microsoft.com/office/drawing/2016/SVG/main" r:embed="rId16"/>
+                <asvg:svgBlip xmlns:asvg="http://schemas.microsoft.com/office/drawing/2016/SVG/main" xmlns="" r:embed="rId16"/>
               </a:ext>
             </a:extLst>
           </a:blip>
@@ -8731,7 +8788,7 @@
           <a:blip r:embed="rId7">
             <a:extLst>
               <a:ext uri="{96DAC541-7B7A-43D3-8B79-37D633B846F1}">
-                <asvg:svgBlip xmlns:asvg="http://schemas.microsoft.com/office/drawing/2016/SVG/main" r:embed="rId8"/>
+                <asvg:svgBlip xmlns:asvg="http://schemas.microsoft.com/office/drawing/2016/SVG/main" xmlns="" r:embed="rId8"/>
               </a:ext>
             </a:extLst>
           </a:blip>
@@ -8809,7 +8866,7 @@
           <a:blip r:embed="rId9">
             <a:extLst>
               <a:ext uri="{96DAC541-7B7A-43D3-8B79-37D633B846F1}">
-                <asvg:svgBlip xmlns:asvg="http://schemas.microsoft.com/office/drawing/2016/SVG/main" r:embed="rId10"/>
+                <asvg:svgBlip xmlns:asvg="http://schemas.microsoft.com/office/drawing/2016/SVG/main" xmlns="" r:embed="rId10"/>
               </a:ext>
             </a:extLst>
           </a:blip>
@@ -8966,7 +9023,7 @@
           <a:blip r:embed="rId17">
             <a:extLst>
               <a:ext uri="{96DAC541-7B7A-43D3-8B79-37D633B846F1}">
-                <asvg:svgBlip xmlns:asvg="http://schemas.microsoft.com/office/drawing/2016/SVG/main" r:embed="rId18"/>
+                <asvg:svgBlip xmlns:asvg="http://schemas.microsoft.com/office/drawing/2016/SVG/main" xmlns="" r:embed="rId18"/>
               </a:ext>
             </a:extLst>
           </a:blip>
@@ -9049,7 +9106,7 @@
           <a:blip r:embed="rId19">
             <a:extLst>
               <a:ext uri="{96DAC541-7B7A-43D3-8B79-37D633B846F1}">
-                <asvg:svgBlip xmlns:asvg="http://schemas.microsoft.com/office/drawing/2016/SVG/main" r:embed="rId20"/>
+                <asvg:svgBlip xmlns:asvg="http://schemas.microsoft.com/office/drawing/2016/SVG/main" xmlns="" r:embed="rId20"/>
               </a:ext>
             </a:extLst>
           </a:blip>
@@ -9115,7 +9172,7 @@
           <a:blip r:embed="rId22">
             <a:extLst>
               <a:ext uri="{96DAC541-7B7A-43D3-8B79-37D633B846F1}">
-                <asvg:svgBlip xmlns:asvg="http://schemas.microsoft.com/office/drawing/2016/SVG/main" r:embed="rId23"/>
+                <asvg:svgBlip xmlns:asvg="http://schemas.microsoft.com/office/drawing/2016/SVG/main" xmlns="" r:embed="rId23"/>
               </a:ext>
             </a:extLst>
           </a:blip>
@@ -9187,7 +9244,7 @@
           <a:blip r:embed="rId24">
             <a:extLst>
               <a:ext uri="{96DAC541-7B7A-43D3-8B79-37D633B846F1}">
-                <asvg:svgBlip xmlns:asvg="http://schemas.microsoft.com/office/drawing/2016/SVG/main" r:embed="rId25"/>
+                <asvg:svgBlip xmlns:asvg="http://schemas.microsoft.com/office/drawing/2016/SVG/main" xmlns="" r:embed="rId25"/>
               </a:ext>
             </a:extLst>
           </a:blip>
@@ -9223,7 +9280,7 @@
           <a:blip r:embed="rId26">
             <a:extLst>
               <a:ext uri="{96DAC541-7B7A-43D3-8B79-37D633B846F1}">
-                <asvg:svgBlip xmlns:asvg="http://schemas.microsoft.com/office/drawing/2016/SVG/main" r:embed="rId27"/>
+                <asvg:svgBlip xmlns:asvg="http://schemas.microsoft.com/office/drawing/2016/SVG/main" xmlns="" r:embed="rId27"/>
               </a:ext>
             </a:extLst>
           </a:blip>
@@ -9299,7 +9356,7 @@
           <a:blip r:embed="rId28">
             <a:extLst>
               <a:ext uri="{96DAC541-7B7A-43D3-8B79-37D633B846F1}">
-                <asvg:svgBlip xmlns:asvg="http://schemas.microsoft.com/office/drawing/2016/SVG/main" r:embed="rId29"/>
+                <asvg:svgBlip xmlns:asvg="http://schemas.microsoft.com/office/drawing/2016/SVG/main" xmlns="" r:embed="rId29"/>
               </a:ext>
             </a:extLst>
           </a:blip>
@@ -9707,7 +9764,7 @@
           <a:blip r:embed="rId30">
             <a:extLst>
               <a:ext uri="{96DAC541-7B7A-43D3-8B79-37D633B846F1}">
-                <asvg:svgBlip xmlns:asvg="http://schemas.microsoft.com/office/drawing/2016/SVG/main" r:embed="rId31"/>
+                <asvg:svgBlip xmlns:asvg="http://schemas.microsoft.com/office/drawing/2016/SVG/main" xmlns="" r:embed="rId31"/>
               </a:ext>
             </a:extLst>
           </a:blip>
@@ -9743,7 +9800,7 @@
           <a:blip r:embed="rId32">
             <a:extLst>
               <a:ext uri="{96DAC541-7B7A-43D3-8B79-37D633B846F1}">
-                <asvg:svgBlip xmlns:asvg="http://schemas.microsoft.com/office/drawing/2016/SVG/main" r:embed="rId33"/>
+                <asvg:svgBlip xmlns:asvg="http://schemas.microsoft.com/office/drawing/2016/SVG/main" xmlns="" r:embed="rId33"/>
               </a:ext>
             </a:extLst>
           </a:blip>
@@ -9841,7 +9898,7 @@
           <a:blip r:embed="rId30">
             <a:extLst>
               <a:ext uri="{96DAC541-7B7A-43D3-8B79-37D633B846F1}">
-                <asvg:svgBlip xmlns:asvg="http://schemas.microsoft.com/office/drawing/2016/SVG/main" r:embed="rId31"/>
+                <asvg:svgBlip xmlns:asvg="http://schemas.microsoft.com/office/drawing/2016/SVG/main" xmlns="" r:embed="rId31"/>
               </a:ext>
             </a:extLst>
           </a:blip>
@@ -10046,7 +10103,7 @@
           <a:blip r:embed="rId32">
             <a:extLst>
               <a:ext uri="{96DAC541-7B7A-43D3-8B79-37D633B846F1}">
-                <asvg:svgBlip xmlns:asvg="http://schemas.microsoft.com/office/drawing/2016/SVG/main" r:embed="rId33"/>
+                <asvg:svgBlip xmlns:asvg="http://schemas.microsoft.com/office/drawing/2016/SVG/main" xmlns="" r:embed="rId33"/>
               </a:ext>
             </a:extLst>
           </a:blip>
@@ -10144,7 +10201,7 @@
           <a:blip r:embed="rId30">
             <a:extLst>
               <a:ext uri="{96DAC541-7B7A-43D3-8B79-37D633B846F1}">
-                <asvg:svgBlip xmlns:asvg="http://schemas.microsoft.com/office/drawing/2016/SVG/main" r:embed="rId31"/>
+                <asvg:svgBlip xmlns:asvg="http://schemas.microsoft.com/office/drawing/2016/SVG/main" xmlns="" r:embed="rId31"/>
               </a:ext>
             </a:extLst>
           </a:blip>
@@ -10345,7 +10402,7 @@
           <a:blip r:embed="rId30">
             <a:extLst>
               <a:ext uri="{96DAC541-7B7A-43D3-8B79-37D633B846F1}">
-                <asvg:svgBlip xmlns:asvg="http://schemas.microsoft.com/office/drawing/2016/SVG/main" r:embed="rId31"/>
+                <asvg:svgBlip xmlns:asvg="http://schemas.microsoft.com/office/drawing/2016/SVG/main" xmlns="" r:embed="rId31"/>
               </a:ext>
             </a:extLst>
           </a:blip>
@@ -10381,7 +10438,7 @@
           <a:blip r:embed="rId32">
             <a:extLst>
               <a:ext uri="{96DAC541-7B7A-43D3-8B79-37D633B846F1}">
-                <asvg:svgBlip xmlns:asvg="http://schemas.microsoft.com/office/drawing/2016/SVG/main" r:embed="rId33"/>
+                <asvg:svgBlip xmlns:asvg="http://schemas.microsoft.com/office/drawing/2016/SVG/main" xmlns="" r:embed="rId33"/>
               </a:ext>
             </a:extLst>
           </a:blip>
@@ -10479,7 +10536,7 @@
           <a:blip r:embed="rId30">
             <a:extLst>
               <a:ext uri="{96DAC541-7B7A-43D3-8B79-37D633B846F1}">
-                <asvg:svgBlip xmlns:asvg="http://schemas.microsoft.com/office/drawing/2016/SVG/main" r:embed="rId31"/>
+                <asvg:svgBlip xmlns:asvg="http://schemas.microsoft.com/office/drawing/2016/SVG/main" xmlns="" r:embed="rId31"/>
               </a:ext>
             </a:extLst>
           </a:blip>
@@ -10640,7 +10697,7 @@
           <a:blip r:embed="rId34">
             <a:extLst>
               <a:ext uri="{96DAC541-7B7A-43D3-8B79-37D633B846F1}">
-                <asvg:svgBlip xmlns:asvg="http://schemas.microsoft.com/office/drawing/2016/SVG/main" r:embed="rId35"/>
+                <asvg:svgBlip xmlns:asvg="http://schemas.microsoft.com/office/drawing/2016/SVG/main" xmlns="" r:embed="rId35"/>
               </a:ext>
             </a:extLst>
           </a:blip>
@@ -10740,7 +10797,7 @@
           <a:blip r:embed="rId15">
             <a:extLst>
               <a:ext uri="{96DAC541-7B7A-43D3-8B79-37D633B846F1}">
-                <asvg:svgBlip xmlns:asvg="http://schemas.microsoft.com/office/drawing/2016/SVG/main" r:embed="rId16"/>
+                <asvg:svgBlip xmlns:asvg="http://schemas.microsoft.com/office/drawing/2016/SVG/main" xmlns="" r:embed="rId16"/>
               </a:ext>
             </a:extLst>
           </a:blip>
@@ -11034,7 +11091,7 @@
           <a:blip r:embed="rId30">
             <a:extLst>
               <a:ext uri="{96DAC541-7B7A-43D3-8B79-37D633B846F1}">
-                <asvg:svgBlip xmlns:asvg="http://schemas.microsoft.com/office/drawing/2016/SVG/main" r:embed="rId31"/>
+                <asvg:svgBlip xmlns:asvg="http://schemas.microsoft.com/office/drawing/2016/SVG/main" xmlns="" r:embed="rId31"/>
               </a:ext>
             </a:extLst>
           </a:blip>
@@ -11112,7 +11169,7 @@
           <a:blip r:embed="rId38">
             <a:extLst>
               <a:ext uri="{96DAC541-7B7A-43D3-8B79-37D633B846F1}">
-                <asvg:svgBlip xmlns:asvg="http://schemas.microsoft.com/office/drawing/2016/SVG/main" r:embed="rId39"/>
+                <asvg:svgBlip xmlns:asvg="http://schemas.microsoft.com/office/drawing/2016/SVG/main" xmlns="" r:embed="rId39"/>
               </a:ext>
             </a:extLst>
           </a:blip>
@@ -11652,7 +11709,7 @@
           <a:blip r:embed="rId3">
             <a:extLst>
               <a:ext uri="{96DAC541-7B7A-43D3-8B79-37D633B846F1}">
-                <asvg:svgBlip xmlns:asvg="http://schemas.microsoft.com/office/drawing/2016/SVG/main" r:embed="rId4"/>
+                <asvg:svgBlip xmlns:asvg="http://schemas.microsoft.com/office/drawing/2016/SVG/main" xmlns="" r:embed="rId4"/>
               </a:ext>
             </a:extLst>
           </a:blip>
@@ -11822,7 +11879,7 @@
           <a:blip r:embed="rId5">
             <a:extLst>
               <a:ext uri="{96DAC541-7B7A-43D3-8B79-37D633B846F1}">
-                <asvg:svgBlip xmlns:asvg="http://schemas.microsoft.com/office/drawing/2016/SVG/main" r:embed="rId6"/>
+                <asvg:svgBlip xmlns:asvg="http://schemas.microsoft.com/office/drawing/2016/SVG/main" xmlns="" r:embed="rId6"/>
               </a:ext>
             </a:extLst>
           </a:blip>
@@ -11858,7 +11915,7 @@
           <a:blip r:embed="rId7">
             <a:extLst>
               <a:ext uri="{96DAC541-7B7A-43D3-8B79-37D633B846F1}">
-                <asvg:svgBlip xmlns:asvg="http://schemas.microsoft.com/office/drawing/2016/SVG/main" r:embed="rId8"/>
+                <asvg:svgBlip xmlns:asvg="http://schemas.microsoft.com/office/drawing/2016/SVG/main" xmlns="" r:embed="rId8"/>
               </a:ext>
             </a:extLst>
           </a:blip>
@@ -11934,7 +11991,7 @@
           <a:blip r:embed="rId9">
             <a:extLst>
               <a:ext uri="{96DAC541-7B7A-43D3-8B79-37D633B846F1}">
-                <asvg:svgBlip xmlns:asvg="http://schemas.microsoft.com/office/drawing/2016/SVG/main" r:embed="rId10"/>
+                <asvg:svgBlip xmlns:asvg="http://schemas.microsoft.com/office/drawing/2016/SVG/main" xmlns="" r:embed="rId10"/>
               </a:ext>
             </a:extLst>
           </a:blip>
@@ -12054,7 +12111,7 @@
           <a:blip r:embed="rId11">
             <a:extLst>
               <a:ext uri="{96DAC541-7B7A-43D3-8B79-37D633B846F1}">
-                <asvg:svgBlip xmlns:asvg="http://schemas.microsoft.com/office/drawing/2016/SVG/main" r:embed="rId12"/>
+                <asvg:svgBlip xmlns:asvg="http://schemas.microsoft.com/office/drawing/2016/SVG/main" xmlns="" r:embed="rId12"/>
               </a:ext>
             </a:extLst>
           </a:blip>
@@ -12212,7 +12269,7 @@
           <a:blip r:embed="rId13">
             <a:extLst>
               <a:ext uri="{96DAC541-7B7A-43D3-8B79-37D633B846F1}">
-                <asvg:svgBlip xmlns:asvg="http://schemas.microsoft.com/office/drawing/2016/SVG/main" r:embed="rId14"/>
+                <asvg:svgBlip xmlns:asvg="http://schemas.microsoft.com/office/drawing/2016/SVG/main" xmlns="" r:embed="rId14"/>
               </a:ext>
             </a:extLst>
           </a:blip>
@@ -12248,7 +12305,7 @@
           <a:blip r:embed="rId15">
             <a:extLst>
               <a:ext uri="{96DAC541-7B7A-43D3-8B79-37D633B846F1}">
-                <asvg:svgBlip xmlns:asvg="http://schemas.microsoft.com/office/drawing/2016/SVG/main" r:embed="rId16"/>
+                <asvg:svgBlip xmlns:asvg="http://schemas.microsoft.com/office/drawing/2016/SVG/main" xmlns="" r:embed="rId16"/>
               </a:ext>
             </a:extLst>
           </a:blip>
@@ -12396,7 +12453,7 @@
           <a:blip r:embed="rId13">
             <a:extLst>
               <a:ext uri="{96DAC541-7B7A-43D3-8B79-37D633B846F1}">
-                <asvg:svgBlip xmlns:asvg="http://schemas.microsoft.com/office/drawing/2016/SVG/main" r:embed="rId14"/>
+                <asvg:svgBlip xmlns:asvg="http://schemas.microsoft.com/office/drawing/2016/SVG/main" xmlns="" r:embed="rId14"/>
               </a:ext>
             </a:extLst>
           </a:blip>
@@ -12642,7 +12699,7 @@
           <a:blip r:embed="rId7">
             <a:extLst>
               <a:ext uri="{96DAC541-7B7A-43D3-8B79-37D633B846F1}">
-                <asvg:svgBlip xmlns:asvg="http://schemas.microsoft.com/office/drawing/2016/SVG/main" r:embed="rId8"/>
+                <asvg:svgBlip xmlns:asvg="http://schemas.microsoft.com/office/drawing/2016/SVG/main" xmlns="" r:embed="rId8"/>
               </a:ext>
             </a:extLst>
           </a:blip>
@@ -12721,7 +12778,7 @@
           <a:blip r:embed="rId9">
             <a:extLst>
               <a:ext uri="{96DAC541-7B7A-43D3-8B79-37D633B846F1}">
-                <asvg:svgBlip xmlns:asvg="http://schemas.microsoft.com/office/drawing/2016/SVG/main" r:embed="rId10"/>
+                <asvg:svgBlip xmlns:asvg="http://schemas.microsoft.com/office/drawing/2016/SVG/main" xmlns="" r:embed="rId10"/>
               </a:ext>
             </a:extLst>
           </a:blip>
@@ -12799,7 +12856,7 @@
           <a:blip r:embed="rId11">
             <a:extLst>
               <a:ext uri="{96DAC541-7B7A-43D3-8B79-37D633B846F1}">
-                <asvg:svgBlip xmlns:asvg="http://schemas.microsoft.com/office/drawing/2016/SVG/main" r:embed="rId12"/>
+                <asvg:svgBlip xmlns:asvg="http://schemas.microsoft.com/office/drawing/2016/SVG/main" xmlns="" r:embed="rId12"/>
               </a:ext>
             </a:extLst>
           </a:blip>
@@ -13083,7 +13140,7 @@
           <a:blip r:embed="rId7">
             <a:extLst>
               <a:ext uri="{96DAC541-7B7A-43D3-8B79-37D633B846F1}">
-                <asvg:svgBlip xmlns:asvg="http://schemas.microsoft.com/office/drawing/2016/SVG/main" r:embed="rId8"/>
+                <asvg:svgBlip xmlns:asvg="http://schemas.microsoft.com/office/drawing/2016/SVG/main" xmlns="" r:embed="rId8"/>
               </a:ext>
             </a:extLst>
           </a:blip>
@@ -13159,7 +13216,7 @@
           <a:blip r:embed="rId9">
             <a:extLst>
               <a:ext uri="{96DAC541-7B7A-43D3-8B79-37D633B846F1}">
-                <asvg:svgBlip xmlns:asvg="http://schemas.microsoft.com/office/drawing/2016/SVG/main" r:embed="rId10"/>
+                <asvg:svgBlip xmlns:asvg="http://schemas.microsoft.com/office/drawing/2016/SVG/main" xmlns="" r:embed="rId10"/>
               </a:ext>
             </a:extLst>
           </a:blip>
@@ -13237,7 +13294,7 @@
           <a:blip r:embed="rId11">
             <a:extLst>
               <a:ext uri="{96DAC541-7B7A-43D3-8B79-37D633B846F1}">
-                <asvg:svgBlip xmlns:asvg="http://schemas.microsoft.com/office/drawing/2016/SVG/main" r:embed="rId12"/>
+                <asvg:svgBlip xmlns:asvg="http://schemas.microsoft.com/office/drawing/2016/SVG/main" xmlns="" r:embed="rId12"/>
               </a:ext>
             </a:extLst>
           </a:blip>
@@ -13434,7 +13491,7 @@
           <a:blip r:embed="rId17">
             <a:extLst>
               <a:ext uri="{96DAC541-7B7A-43D3-8B79-37D633B846F1}">
-                <asvg:svgBlip xmlns:asvg="http://schemas.microsoft.com/office/drawing/2016/SVG/main" r:embed="rId18"/>
+                <asvg:svgBlip xmlns:asvg="http://schemas.microsoft.com/office/drawing/2016/SVG/main" xmlns="" r:embed="rId18"/>
               </a:ext>
             </a:extLst>
           </a:blip>
@@ -13470,7 +13527,7 @@
           <a:blip r:embed="rId19">
             <a:extLst>
               <a:ext uri="{96DAC541-7B7A-43D3-8B79-37D633B846F1}">
-                <asvg:svgBlip xmlns:asvg="http://schemas.microsoft.com/office/drawing/2016/SVG/main" r:embed="rId20"/>
+                <asvg:svgBlip xmlns:asvg="http://schemas.microsoft.com/office/drawing/2016/SVG/main" xmlns="" r:embed="rId20"/>
               </a:ext>
             </a:extLst>
           </a:blip>
@@ -13583,7 +13640,7 @@
           <a:blip r:embed="rId22">
             <a:extLst>
               <a:ext uri="{96DAC541-7B7A-43D3-8B79-37D633B846F1}">
-                <asvg:svgBlip xmlns:asvg="http://schemas.microsoft.com/office/drawing/2016/SVG/main" r:embed="rId23"/>
+                <asvg:svgBlip xmlns:asvg="http://schemas.microsoft.com/office/drawing/2016/SVG/main" xmlns="" r:embed="rId23"/>
               </a:ext>
             </a:extLst>
           </a:blip>
@@ -13655,7 +13712,7 @@
           <a:blip r:embed="rId24">
             <a:extLst>
               <a:ext uri="{96DAC541-7B7A-43D3-8B79-37D633B846F1}">
-                <asvg:svgBlip xmlns:asvg="http://schemas.microsoft.com/office/drawing/2016/SVG/main" r:embed="rId25"/>
+                <asvg:svgBlip xmlns:asvg="http://schemas.microsoft.com/office/drawing/2016/SVG/main" xmlns="" r:embed="rId25"/>
               </a:ext>
             </a:extLst>
           </a:blip>
@@ -13691,7 +13748,7 @@
           <a:blip r:embed="rId26">
             <a:extLst>
               <a:ext uri="{96DAC541-7B7A-43D3-8B79-37D633B846F1}">
-                <asvg:svgBlip xmlns:asvg="http://schemas.microsoft.com/office/drawing/2016/SVG/main" r:embed="rId27"/>
+                <asvg:svgBlip xmlns:asvg="http://schemas.microsoft.com/office/drawing/2016/SVG/main" xmlns="" r:embed="rId27"/>
               </a:ext>
             </a:extLst>
           </a:blip>
@@ -13767,7 +13824,7 @@
           <a:blip r:embed="rId28">
             <a:extLst>
               <a:ext uri="{96DAC541-7B7A-43D3-8B79-37D633B846F1}">
-                <asvg:svgBlip xmlns:asvg="http://schemas.microsoft.com/office/drawing/2016/SVG/main" r:embed="rId29"/>
+                <asvg:svgBlip xmlns:asvg="http://schemas.microsoft.com/office/drawing/2016/SVG/main" xmlns="" r:embed="rId29"/>
               </a:ext>
             </a:extLst>
           </a:blip>
@@ -14026,7 +14083,7 @@
           <a:blip r:embed="rId30">
             <a:extLst>
               <a:ext uri="{96DAC541-7B7A-43D3-8B79-37D633B846F1}">
-                <asvg:svgBlip xmlns:asvg="http://schemas.microsoft.com/office/drawing/2016/SVG/main" r:embed="rId31"/>
+                <asvg:svgBlip xmlns:asvg="http://schemas.microsoft.com/office/drawing/2016/SVG/main" xmlns="" r:embed="rId31"/>
               </a:ext>
             </a:extLst>
           </a:blip>
@@ -14173,7 +14230,7 @@
           <a:blip r:embed="rId13">
             <a:extLst>
               <a:ext uri="{96DAC541-7B7A-43D3-8B79-37D633B846F1}">
-                <asvg:svgBlip xmlns:asvg="http://schemas.microsoft.com/office/drawing/2016/SVG/main" r:embed="rId14"/>
+                <asvg:svgBlip xmlns:asvg="http://schemas.microsoft.com/office/drawing/2016/SVG/main" xmlns="" r:embed="rId14"/>
               </a:ext>
             </a:extLst>
           </a:blip>
@@ -14671,7 +14728,7 @@
           <a:blip r:embed="rId32">
             <a:extLst>
               <a:ext uri="{96DAC541-7B7A-43D3-8B79-37D633B846F1}">
-                <asvg:svgBlip xmlns:asvg="http://schemas.microsoft.com/office/drawing/2016/SVG/main" r:embed="rId33"/>
+                <asvg:svgBlip xmlns:asvg="http://schemas.microsoft.com/office/drawing/2016/SVG/main" xmlns="" r:embed="rId33"/>
               </a:ext>
             </a:extLst>
           </a:blip>
@@ -14707,7 +14764,7 @@
           <a:blip r:embed="rId34">
             <a:extLst>
               <a:ext uri="{96DAC541-7B7A-43D3-8B79-37D633B846F1}">
-                <asvg:svgBlip xmlns:asvg="http://schemas.microsoft.com/office/drawing/2016/SVG/main" r:embed="rId35"/>
+                <asvg:svgBlip xmlns:asvg="http://schemas.microsoft.com/office/drawing/2016/SVG/main" xmlns="" r:embed="rId35"/>
               </a:ext>
             </a:extLst>
           </a:blip>
@@ -14884,7 +14941,7 @@
           <a:blip r:embed="rId32">
             <a:extLst>
               <a:ext uri="{96DAC541-7B7A-43D3-8B79-37D633B846F1}">
-                <asvg:svgBlip xmlns:asvg="http://schemas.microsoft.com/office/drawing/2016/SVG/main" r:embed="rId33"/>
+                <asvg:svgBlip xmlns:asvg="http://schemas.microsoft.com/office/drawing/2016/SVG/main" xmlns="" r:embed="rId33"/>
               </a:ext>
             </a:extLst>
           </a:blip>
@@ -14920,7 +14977,7 @@
           <a:blip r:embed="rId34">
             <a:extLst>
               <a:ext uri="{96DAC541-7B7A-43D3-8B79-37D633B846F1}">
-                <asvg:svgBlip xmlns:asvg="http://schemas.microsoft.com/office/drawing/2016/SVG/main" r:embed="rId35"/>
+                <asvg:svgBlip xmlns:asvg="http://schemas.microsoft.com/office/drawing/2016/SVG/main" xmlns="" r:embed="rId35"/>
               </a:ext>
             </a:extLst>
           </a:blip>
@@ -15097,7 +15154,7 @@
           <a:blip r:embed="rId32">
             <a:extLst>
               <a:ext uri="{96DAC541-7B7A-43D3-8B79-37D633B846F1}">
-                <asvg:svgBlip xmlns:asvg="http://schemas.microsoft.com/office/drawing/2016/SVG/main" r:embed="rId33"/>
+                <asvg:svgBlip xmlns:asvg="http://schemas.microsoft.com/office/drawing/2016/SVG/main" xmlns="" r:embed="rId33"/>
               </a:ext>
             </a:extLst>
           </a:blip>
@@ -15133,7 +15190,7 @@
           <a:blip r:embed="rId34">
             <a:extLst>
               <a:ext uri="{96DAC541-7B7A-43D3-8B79-37D633B846F1}">
-                <asvg:svgBlip xmlns:asvg="http://schemas.microsoft.com/office/drawing/2016/SVG/main" r:embed="rId35"/>
+                <asvg:svgBlip xmlns:asvg="http://schemas.microsoft.com/office/drawing/2016/SVG/main" xmlns="" r:embed="rId35"/>
               </a:ext>
             </a:extLst>
           </a:blip>
